--- a/Class-00/Class_00.pptx
+++ b/Class-00/Class_00.pptx
@@ -119,6 +119,11 @@
       </a:defRPr>
     </a:lvl9pPr>
   </p:defaultTextStyle>
+  <p:extLst>
+    <p:ext uri="{EFAFB233-063F-42B5-8137-9DF3F51BA10A}">
+      <p15:sldGuideLst xmlns:p15="http://schemas.microsoft.com/office/powerpoint/2012/main"/>
+    </p:ext>
+  </p:extLst>
 </p:presentation>
 </file>
 
@@ -3782,6 +3787,13 @@
   <p:clrMapOvr>
     <a:masterClrMapping/>
   </p:clrMapOvr>
+  <p:timing>
+    <p:tnLst>
+      <p:par>
+        <p:cTn id="1" dur="indefinite" restart="never" nodeType="tmRoot"/>
+      </p:par>
+    </p:tnLst>
+  </p:timing>
 </p:sld>
 </file>
 
@@ -4176,6 +4188,13 @@
   <p:clrMapOvr>
     <a:masterClrMapping/>
   </p:clrMapOvr>
+  <p:timing>
+    <p:tnLst>
+      <p:par>
+        <p:cTn id="1" dur="indefinite" restart="never" nodeType="tmRoot"/>
+      </p:par>
+    </p:tnLst>
+  </p:timing>
 </p:sld>
 </file>
 
@@ -4664,6 +4683,13 @@
   <p:clrMapOvr>
     <a:masterClrMapping/>
   </p:clrMapOvr>
+  <p:timing>
+    <p:tnLst>
+      <p:par>
+        <p:cTn id="1" dur="indefinite" restart="never" nodeType="tmRoot"/>
+      </p:par>
+    </p:tnLst>
+  </p:timing>
 </p:sld>
 </file>
 
@@ -5403,6 +5429,13 @@
   <p:clrMapOvr>
     <a:masterClrMapping/>
   </p:clrMapOvr>
+  <p:timing>
+    <p:tnLst>
+      <p:par>
+        <p:cTn id="1" dur="indefinite" restart="never" nodeType="tmRoot"/>
+      </p:par>
+    </p:tnLst>
+  </p:timing>
 </p:sld>
 </file>
 
@@ -5613,6 +5646,13 @@
   <p:clrMapOvr>
     <a:masterClrMapping/>
   </p:clrMapOvr>
+  <p:timing>
+    <p:tnLst>
+      <p:par>
+        <p:cTn id="1" dur="indefinite" restart="never" nodeType="tmRoot"/>
+      </p:par>
+    </p:tnLst>
+  </p:timing>
 </p:sld>
 </file>
 
@@ -5672,6 +5712,13 @@
   <p:clrMapOvr>
     <a:masterClrMapping/>
   </p:clrMapOvr>
+  <p:timing>
+    <p:tnLst>
+      <p:par>
+        <p:cTn id="1" dur="indefinite" restart="never" nodeType="tmRoot"/>
+      </p:par>
+    </p:tnLst>
+  </p:timing>
 </p:sld>
 </file>
 
@@ -5731,6 +5778,13 @@
   <p:clrMapOvr>
     <a:masterClrMapping/>
   </p:clrMapOvr>
+  <p:timing>
+    <p:tnLst>
+      <p:par>
+        <p:cTn id="1" dur="indefinite" restart="never" nodeType="tmRoot"/>
+      </p:par>
+    </p:tnLst>
+  </p:timing>
 </p:sld>
 </file>
 
@@ -5831,6 +5885,13 @@
   <p:clrMapOvr>
     <a:masterClrMapping/>
   </p:clrMapOvr>
+  <p:timing>
+    <p:tnLst>
+      <p:par>
+        <p:cTn id="1" dur="indefinite" restart="never" nodeType="tmRoot"/>
+      </p:par>
+    </p:tnLst>
+  </p:timing>
 </p:sld>
 </file>
 
@@ -5889,6 +5950,13 @@
   <p:clrMapOvr>
     <a:masterClrMapping/>
   </p:clrMapOvr>
+  <p:timing>
+    <p:tnLst>
+      <p:par>
+        <p:cTn id="1" dur="indefinite" restart="never" nodeType="tmRoot"/>
+      </p:par>
+    </p:tnLst>
+  </p:timing>
 </p:sld>
 </file>
 
@@ -5989,6 +6057,13 @@
   <p:clrMapOvr>
     <a:masterClrMapping/>
   </p:clrMapOvr>
+  <p:timing>
+    <p:tnLst>
+      <p:par>
+        <p:cTn id="1" dur="indefinite" restart="never" nodeType="tmRoot"/>
+      </p:par>
+    </p:tnLst>
+  </p:timing>
 </p:sld>
 </file>
 
@@ -6099,6 +6174,13 @@
   <p:clrMapOvr>
     <a:masterClrMapping/>
   </p:clrMapOvr>
+  <p:timing>
+    <p:tnLst>
+      <p:par>
+        <p:cTn id="1" dur="indefinite" restart="never" nodeType="tmRoot"/>
+      </p:par>
+    </p:tnLst>
+  </p:timing>
 </p:sld>
 </file>
 
@@ -6597,6 +6679,13 @@
   <p:clrMapOvr>
     <a:masterClrMapping/>
   </p:clrMapOvr>
+  <p:timing>
+    <p:tnLst>
+      <p:par>
+        <p:cTn id="1" dur="indefinite" restart="never" nodeType="tmRoot"/>
+      </p:par>
+    </p:tnLst>
+  </p:timing>
 </p:sld>
 </file>
 
@@ -7046,6 +7135,13 @@
   <p:clrMapOvr>
     <a:masterClrMapping/>
   </p:clrMapOvr>
+  <p:timing>
+    <p:tnLst>
+      <p:par>
+        <p:cTn id="1" dur="indefinite" restart="never" nodeType="tmRoot"/>
+      </p:par>
+    </p:tnLst>
+  </p:timing>
 </p:sld>
 </file>
 
